--- a/Final Project Presentation.pptx
+++ b/Final Project Presentation.pptx
@@ -6,10 +6,11 @@
   </p:sldMasterIdLst>
   <p:sldIdLst>
     <p:sldId id="256" r:id="rId2"/>
-    <p:sldId id="257" r:id="rId3"/>
-    <p:sldId id="259" r:id="rId4"/>
-    <p:sldId id="258" r:id="rId5"/>
-    <p:sldId id="260" r:id="rId6"/>
+    <p:sldId id="261" r:id="rId3"/>
+    <p:sldId id="257" r:id="rId4"/>
+    <p:sldId id="259" r:id="rId5"/>
+    <p:sldId id="258" r:id="rId6"/>
+    <p:sldId id="260" r:id="rId7"/>
   </p:sldIdLst>
   <p:sldSz cx="12192000" cy="6858000"/>
   <p:notesSz cx="6858000" cy="9144000"/>
@@ -5912,7 +5913,7 @@
           <a:p>
             <a:fld id="{79EEC13B-AA20-4B73-94A1-D2A6CD7D8A7B}" type="datetimeFigureOut">
               <a:rPr lang="en-US" smtClean="0"/>
-              <a:t>8/28/2022</a:t>
+              <a:t>8/29/2022</a:t>
             </a:fld>
             <a:endParaRPr lang="en-US"/>
           </a:p>
@@ -6091,7 +6092,7 @@
           <a:p>
             <a:fld id="{79EEC13B-AA20-4B73-94A1-D2A6CD7D8A7B}" type="datetimeFigureOut">
               <a:rPr lang="en-US" smtClean="0"/>
-              <a:t>8/28/2022</a:t>
+              <a:t>8/29/2022</a:t>
             </a:fld>
             <a:endParaRPr lang="en-US"/>
           </a:p>
@@ -6271,7 +6272,7 @@
           <a:p>
             <a:fld id="{79EEC13B-AA20-4B73-94A1-D2A6CD7D8A7B}" type="datetimeFigureOut">
               <a:rPr lang="en-US" smtClean="0"/>
-              <a:t>8/28/2022</a:t>
+              <a:t>8/29/2022</a:t>
             </a:fld>
             <a:endParaRPr lang="en-US"/>
           </a:p>
@@ -6441,7 +6442,7 @@
           <a:p>
             <a:fld id="{79EEC13B-AA20-4B73-94A1-D2A6CD7D8A7B}" type="datetimeFigureOut">
               <a:rPr lang="en-US" smtClean="0"/>
-              <a:t>8/28/2022</a:t>
+              <a:t>8/29/2022</a:t>
             </a:fld>
             <a:endParaRPr lang="en-US"/>
           </a:p>
@@ -6754,7 +6755,7 @@
           <a:p>
             <a:fld id="{79EEC13B-AA20-4B73-94A1-D2A6CD7D8A7B}" type="datetimeFigureOut">
               <a:rPr lang="en-US" smtClean="0"/>
-              <a:t>8/28/2022</a:t>
+              <a:t>8/29/2022</a:t>
             </a:fld>
             <a:endParaRPr lang="en-US"/>
           </a:p>
@@ -7140,7 +7141,7 @@
           <a:p>
             <a:fld id="{79EEC13B-AA20-4B73-94A1-D2A6CD7D8A7B}" type="datetimeFigureOut">
               <a:rPr lang="en-US" smtClean="0"/>
-              <a:t>8/28/2022</a:t>
+              <a:t>8/29/2022</a:t>
             </a:fld>
             <a:endParaRPr lang="en-US"/>
           </a:p>
@@ -7574,7 +7575,7 @@
           <a:p>
             <a:fld id="{79EEC13B-AA20-4B73-94A1-D2A6CD7D8A7B}" type="datetimeFigureOut">
               <a:rPr lang="en-US" smtClean="0"/>
-              <a:t>8/28/2022</a:t>
+              <a:t>8/29/2022</a:t>
             </a:fld>
             <a:endParaRPr lang="en-US"/>
           </a:p>
@@ -7692,7 +7693,7 @@
           <a:p>
             <a:fld id="{79EEC13B-AA20-4B73-94A1-D2A6CD7D8A7B}" type="datetimeFigureOut">
               <a:rPr lang="en-US" smtClean="0"/>
-              <a:t>8/28/2022</a:t>
+              <a:t>8/29/2022</a:t>
             </a:fld>
             <a:endParaRPr lang="en-US"/>
           </a:p>
@@ -7787,7 +7788,7 @@
           <a:p>
             <a:fld id="{79EEC13B-AA20-4B73-94A1-D2A6CD7D8A7B}" type="datetimeFigureOut">
               <a:rPr lang="en-US" smtClean="0"/>
-              <a:t>8/28/2022</a:t>
+              <a:t>8/29/2022</a:t>
             </a:fld>
             <a:endParaRPr lang="en-US"/>
           </a:p>
@@ -8137,7 +8138,7 @@
           <a:p>
             <a:fld id="{79EEC13B-AA20-4B73-94A1-D2A6CD7D8A7B}" type="datetimeFigureOut">
               <a:rPr lang="en-US" smtClean="0"/>
-              <a:t>8/28/2022</a:t>
+              <a:t>8/29/2022</a:t>
             </a:fld>
             <a:endParaRPr lang="en-US"/>
           </a:p>
@@ -8562,7 +8563,7 @@
           <a:p>
             <a:fld id="{79EEC13B-AA20-4B73-94A1-D2A6CD7D8A7B}" type="datetimeFigureOut">
               <a:rPr lang="en-US" smtClean="0"/>
-              <a:t>8/28/2022</a:t>
+              <a:t>8/29/2022</a:t>
             </a:fld>
             <a:endParaRPr lang="en-US"/>
           </a:p>
@@ -8843,7 +8844,7 @@
           <a:p>
             <a:fld id="{79EEC13B-AA20-4B73-94A1-D2A6CD7D8A7B}" type="datetimeFigureOut">
               <a:rPr lang="en-US" smtClean="0"/>
-              <a:t>8/28/2022</a:t>
+              <a:t>8/29/2022</a:t>
             </a:fld>
             <a:endParaRPr lang="en-US"/>
           </a:p>
@@ -9479,6 +9480,84 @@
           <a:chExt cx="0" cy="0"/>
         </a:xfrm>
       </p:grpSpPr>
+      <p:sp>
+        <p:nvSpPr>
+          <p:cNvPr id="2" name="TextBox 1">
+            <a:extLst>
+              <a:ext uri="{FF2B5EF4-FFF2-40B4-BE49-F238E27FC236}">
+                <a16:creationId xmlns:a16="http://schemas.microsoft.com/office/drawing/2014/main" id="{167B0BE4-6021-6AD7-C996-C69CE39448A2}"/>
+              </a:ext>
+            </a:extLst>
+          </p:cNvPr>
+          <p:cNvSpPr txBox="1"/>
+          <p:nvPr/>
+        </p:nvSpPr>
+        <p:spPr>
+          <a:xfrm>
+            <a:off x="1340005" y="1650380"/>
+            <a:ext cx="9511990" cy="2062103"/>
+          </a:xfrm>
+          <a:prstGeom prst="rect">
+            <a:avLst/>
+          </a:prstGeom>
+          <a:noFill/>
+        </p:spPr>
+        <p:txBody>
+          <a:bodyPr wrap="square" rtlCol="0">
+            <a:spAutoFit/>
+          </a:bodyPr>
+          <a:lstStyle/>
+          <a:p>
+            <a:pPr algn="ctr"/>
+            <a:r>
+              <a:rPr lang="en-US" sz="3200" dirty="0"/>
+              <a:t>Question? </a:t>
+            </a:r>
+          </a:p>
+          <a:p>
+            <a:r>
+              <a:rPr lang="en-US" sz="3200" dirty="0">
+                <a:effectLst/>
+                <a:latin typeface="Calibri" panose="020F0502020204030204" pitchFamily="34" charset="0"/>
+                <a:ea typeface="Calibri" panose="020F0502020204030204" pitchFamily="34" charset="0"/>
+                <a:cs typeface="Times New Roman" panose="02020603050405020304" pitchFamily="18" charset="0"/>
+              </a:rPr>
+              <a:t>Does age and fighting style have an impact on the probability a fighter had in winning a UFC match and if you’re looking to get into the UFC what should you do?</a:t>
+            </a:r>
+            <a:endParaRPr lang="en-US" sz="3200" dirty="0"/>
+          </a:p>
+        </p:txBody>
+      </p:sp>
+    </p:spTree>
+    <p:extLst>
+      <p:ext uri="{BB962C8B-B14F-4D97-AF65-F5344CB8AC3E}">
+        <p14:creationId xmlns:p14="http://schemas.microsoft.com/office/powerpoint/2010/main" val="558620618"/>
+      </p:ext>
+    </p:extLst>
+  </p:cSld>
+  <p:clrMapOvr>
+    <a:masterClrMapping/>
+  </p:clrMapOvr>
+</p:sld>
+</file>
+
+<file path=ppt/slides/slide3.xml><?xml version="1.0" encoding="utf-8"?>
+<p:sld xmlns:a="http://schemas.openxmlformats.org/drawingml/2006/main" xmlns:r="http://schemas.openxmlformats.org/officeDocument/2006/relationships" xmlns:p="http://schemas.openxmlformats.org/presentationml/2006/main">
+  <p:cSld>
+    <p:spTree>
+      <p:nvGrpSpPr>
+        <p:cNvPr id="1" name=""/>
+        <p:cNvGrpSpPr/>
+        <p:nvPr/>
+      </p:nvGrpSpPr>
+      <p:grpSpPr>
+        <a:xfrm>
+          <a:off x="0" y="0"/>
+          <a:ext cx="0" cy="0"/>
+          <a:chOff x="0" y="0"/>
+          <a:chExt cx="0" cy="0"/>
+        </a:xfrm>
+      </p:grpSpPr>
       <p:graphicFrame>
         <p:nvGraphicFramePr>
           <p:cNvPr id="9" name="Table 9">
@@ -9847,7 +9926,7 @@
 </p:sld>
 </file>
 
-<file path=ppt/slides/slide3.xml><?xml version="1.0" encoding="utf-8"?>
+<file path=ppt/slides/slide4.xml><?xml version="1.0" encoding="utf-8"?>
 <p:sld xmlns:a="http://schemas.openxmlformats.org/drawingml/2006/main" xmlns:r="http://schemas.openxmlformats.org/officeDocument/2006/relationships" xmlns:p="http://schemas.openxmlformats.org/presentationml/2006/main">
   <p:cSld>
     <p:spTree>
@@ -9907,7 +9986,7 @@
 </p:sld>
 </file>
 
-<file path=ppt/slides/slide4.xml><?xml version="1.0" encoding="utf-8"?>
+<file path=ppt/slides/slide5.xml><?xml version="1.0" encoding="utf-8"?>
 <p:sld xmlns:a="http://schemas.openxmlformats.org/drawingml/2006/main" xmlns:r="http://schemas.openxmlformats.org/officeDocument/2006/relationships" xmlns:p="http://schemas.openxmlformats.org/presentationml/2006/main">
   <p:cSld>
     <p:spTree>
@@ -9967,7 +10046,7 @@
 </p:sld>
 </file>
 
-<file path=ppt/slides/slide5.xml><?xml version="1.0" encoding="utf-8"?>
+<file path=ppt/slides/slide6.xml><?xml version="1.0" encoding="utf-8"?>
 <p:sld xmlns:a="http://schemas.openxmlformats.org/drawingml/2006/main" xmlns:r="http://schemas.openxmlformats.org/officeDocument/2006/relationships" xmlns:p="http://schemas.openxmlformats.org/presentationml/2006/main">
   <p:cSld>
     <p:spTree>
